--- a/miniprojeto 2/invasores do espaco.pptx
+++ b/miniprojeto 2/invasores do espaco.pptx
@@ -151,7 +151,7 @@
         </pc:spChg>
       </pc:sldChg>
       <pc:sldChg chg="addSp delSp modSp ord">
-        <pc:chgData name="Rodrigo Pumar" userId="05c6da525856e9fb" providerId="LiveId" clId="{1D9EE03C-CA42-4EBF-A925-77B3F65FEC71}" dt="2018-04-21T20:08:10.671" v="845"/>
+        <pc:chgData name="Rodrigo Pumar" userId="05c6da525856e9fb" providerId="LiveId" clId="{1D9EE03C-CA42-4EBF-A925-77B3F65FEC71}" dt="2018-04-21T20:08:10.671" v="845" actId="313"/>
         <pc:sldMkLst>
           <pc:docMk/>
           <pc:sldMk cId="3095398106" sldId="258"/>
@@ -165,7 +165,7 @@
           </ac:spMkLst>
         </pc:spChg>
         <pc:spChg chg="add del mod">
-          <ac:chgData name="Rodrigo Pumar" userId="05c6da525856e9fb" providerId="LiveId" clId="{1D9EE03C-CA42-4EBF-A925-77B3F65FEC71}" dt="2018-04-21T19:58:59.975" v="718"/>
+          <ac:chgData name="Rodrigo Pumar" userId="05c6da525856e9fb" providerId="LiveId" clId="{1D9EE03C-CA42-4EBF-A925-77B3F65FEC71}" dt="2018-04-21T19:58:59.975" v="718" actId="313"/>
           <ac:spMkLst>
             <pc:docMk/>
             <pc:sldMk cId="3095398106" sldId="258"/>
@@ -245,7 +245,7 @@
           </ac:picMkLst>
         </pc:picChg>
         <pc:picChg chg="add del mod">
-          <ac:chgData name="Rodrigo Pumar" userId="05c6da525856e9fb" providerId="LiveId" clId="{1D9EE03C-CA42-4EBF-A925-77B3F65FEC71}" dt="2018-04-21T20:07:25.136" v="839"/>
+          <ac:chgData name="Rodrigo Pumar" userId="05c6da525856e9fb" providerId="LiveId" clId="{1D9EE03C-CA42-4EBF-A925-77B3F65FEC71}" dt="2018-04-21T20:07:25.136" v="839" actId="313"/>
           <ac:picMkLst>
             <pc:docMk/>
             <pc:sldMk cId="3095398106" sldId="258"/>
@@ -411,7 +411,7 @@
           </ac:picMkLst>
         </pc:picChg>
         <pc:picChg chg="add del mod">
-          <ac:chgData name="Rodrigo Pumar" userId="05c6da525856e9fb" providerId="LiveId" clId="{1D9EE03C-CA42-4EBF-A925-77B3F65FEC71}" dt="2018-04-21T20:03:22.079" v="784"/>
+          <ac:chgData name="Rodrigo Pumar" userId="05c6da525856e9fb" providerId="LiveId" clId="{1D9EE03C-CA42-4EBF-A925-77B3F65FEC71}" dt="2018-04-21T20:03:22.079" v="784" actId="20577"/>
           <ac:picMkLst>
             <pc:docMk/>
             <pc:sldMk cId="3441606456" sldId="260"/>
@@ -452,7 +452,7 @@
         </pc:inkChg>
       </pc:sldChg>
       <pc:sldChg chg="addSp delSp modSp ord">
-        <pc:chgData name="Rodrigo Pumar" userId="05c6da525856e9fb" providerId="LiveId" clId="{1D9EE03C-CA42-4EBF-A925-77B3F65FEC71}" dt="2018-04-21T20:07:59.894" v="844"/>
+        <pc:chgData name="Rodrigo Pumar" userId="05c6da525856e9fb" providerId="LiveId" clId="{1D9EE03C-CA42-4EBF-A925-77B3F65FEC71}" dt="2018-04-21T20:07:59.894" v="844" actId="313"/>
         <pc:sldMkLst>
           <pc:docMk/>
           <pc:sldMk cId="2984696490" sldId="261"/>
@@ -466,7 +466,7 @@
           </ac:spMkLst>
         </pc:spChg>
         <pc:spChg chg="add del mod">
-          <ac:chgData name="Rodrigo Pumar" userId="05c6da525856e9fb" providerId="LiveId" clId="{1D9EE03C-CA42-4EBF-A925-77B3F65FEC71}" dt="2018-04-21T19:54:34.438" v="661"/>
+          <ac:chgData name="Rodrigo Pumar" userId="05c6da525856e9fb" providerId="LiveId" clId="{1D9EE03C-CA42-4EBF-A925-77B3F65FEC71}" dt="2018-04-21T19:54:34.438" v="661" actId="313"/>
           <ac:spMkLst>
             <pc:docMk/>
             <pc:sldMk cId="2984696490" sldId="261"/>
@@ -555,7 +555,7 @@
         </pc:inkChg>
       </pc:sldChg>
       <pc:sldChg chg="addSp delSp modSp add ord">
-        <pc:chgData name="Rodrigo Pumar" userId="05c6da525856e9fb" providerId="LiveId" clId="{1D9EE03C-CA42-4EBF-A925-77B3F65FEC71}" dt="2018-04-21T20:04:47.884" v="804"/>
+        <pc:chgData name="Rodrigo Pumar" userId="05c6da525856e9fb" providerId="LiveId" clId="{1D9EE03C-CA42-4EBF-A925-77B3F65FEC71}" dt="2018-04-21T20:04:47.884" v="804" actId="313"/>
         <pc:sldMkLst>
           <pc:docMk/>
           <pc:sldMk cId="3087570969" sldId="262"/>
@@ -586,7 +586,7 @@
         </pc:picChg>
       </pc:sldChg>
       <pc:sldChg chg="addSp delSp modSp add ord">
-        <pc:chgData name="Rodrigo Pumar" userId="05c6da525856e9fb" providerId="LiveId" clId="{1D9EE03C-CA42-4EBF-A925-77B3F65FEC71}" dt="2018-04-21T20:07:56.091" v="843"/>
+        <pc:chgData name="Rodrigo Pumar" userId="05c6da525856e9fb" providerId="LiveId" clId="{1D9EE03C-CA42-4EBF-A925-77B3F65FEC71}" dt="2018-04-21T20:07:56.091" v="843" actId="313"/>
         <pc:sldMkLst>
           <pc:docMk/>
           <pc:sldMk cId="3055149822" sldId="263"/>
@@ -825,7 +825,7 @@
           <a:p>
             <a:fld id="{CB20CE0D-DCBF-4F05-A4FC-29CB0DE0336D}" type="datetimeFigureOut">
               <a:rPr lang="pt-BR" smtClean="0"/>
-              <a:t>21/04/2018</a:t>
+              <a:t>24/04/2018</a:t>
             </a:fld>
             <a:endParaRPr lang="pt-BR"/>
           </a:p>
@@ -1025,7 +1025,7 @@
           <a:p>
             <a:fld id="{CB20CE0D-DCBF-4F05-A4FC-29CB0DE0336D}" type="datetimeFigureOut">
               <a:rPr lang="pt-BR" smtClean="0"/>
-              <a:t>21/04/2018</a:t>
+              <a:t>24/04/2018</a:t>
             </a:fld>
             <a:endParaRPr lang="pt-BR"/>
           </a:p>
@@ -1235,7 +1235,7 @@
           <a:p>
             <a:fld id="{CB20CE0D-DCBF-4F05-A4FC-29CB0DE0336D}" type="datetimeFigureOut">
               <a:rPr lang="pt-BR" smtClean="0"/>
-              <a:t>21/04/2018</a:t>
+              <a:t>24/04/2018</a:t>
             </a:fld>
             <a:endParaRPr lang="pt-BR"/>
           </a:p>
@@ -1435,7 +1435,7 @@
           <a:p>
             <a:fld id="{CB20CE0D-DCBF-4F05-A4FC-29CB0DE0336D}" type="datetimeFigureOut">
               <a:rPr lang="pt-BR" smtClean="0"/>
-              <a:t>21/04/2018</a:t>
+              <a:t>24/04/2018</a:t>
             </a:fld>
             <a:endParaRPr lang="pt-BR"/>
           </a:p>
@@ -1711,7 +1711,7 @@
           <a:p>
             <a:fld id="{CB20CE0D-DCBF-4F05-A4FC-29CB0DE0336D}" type="datetimeFigureOut">
               <a:rPr lang="pt-BR" smtClean="0"/>
-              <a:t>21/04/2018</a:t>
+              <a:t>24/04/2018</a:t>
             </a:fld>
             <a:endParaRPr lang="pt-BR"/>
           </a:p>
@@ -1979,7 +1979,7 @@
           <a:p>
             <a:fld id="{CB20CE0D-DCBF-4F05-A4FC-29CB0DE0336D}" type="datetimeFigureOut">
               <a:rPr lang="pt-BR" smtClean="0"/>
-              <a:t>21/04/2018</a:t>
+              <a:t>24/04/2018</a:t>
             </a:fld>
             <a:endParaRPr lang="pt-BR"/>
           </a:p>
@@ -2394,7 +2394,7 @@
           <a:p>
             <a:fld id="{CB20CE0D-DCBF-4F05-A4FC-29CB0DE0336D}" type="datetimeFigureOut">
               <a:rPr lang="pt-BR" smtClean="0"/>
-              <a:t>21/04/2018</a:t>
+              <a:t>24/04/2018</a:t>
             </a:fld>
             <a:endParaRPr lang="pt-BR"/>
           </a:p>
@@ -2536,7 +2536,7 @@
           <a:p>
             <a:fld id="{CB20CE0D-DCBF-4F05-A4FC-29CB0DE0336D}" type="datetimeFigureOut">
               <a:rPr lang="pt-BR" smtClean="0"/>
-              <a:t>21/04/2018</a:t>
+              <a:t>24/04/2018</a:t>
             </a:fld>
             <a:endParaRPr lang="pt-BR"/>
           </a:p>
@@ -2649,7 +2649,7 @@
           <a:p>
             <a:fld id="{CB20CE0D-DCBF-4F05-A4FC-29CB0DE0336D}" type="datetimeFigureOut">
               <a:rPr lang="pt-BR" smtClean="0"/>
-              <a:t>21/04/2018</a:t>
+              <a:t>24/04/2018</a:t>
             </a:fld>
             <a:endParaRPr lang="pt-BR"/>
           </a:p>
@@ -2962,7 +2962,7 @@
           <a:p>
             <a:fld id="{CB20CE0D-DCBF-4F05-A4FC-29CB0DE0336D}" type="datetimeFigureOut">
               <a:rPr lang="pt-BR" smtClean="0"/>
-              <a:t>21/04/2018</a:t>
+              <a:t>24/04/2018</a:t>
             </a:fld>
             <a:endParaRPr lang="pt-BR"/>
           </a:p>
@@ -3251,7 +3251,7 @@
           <a:p>
             <a:fld id="{CB20CE0D-DCBF-4F05-A4FC-29CB0DE0336D}" type="datetimeFigureOut">
               <a:rPr lang="pt-BR" smtClean="0"/>
-              <a:t>21/04/2018</a:t>
+              <a:t>24/04/2018</a:t>
             </a:fld>
             <a:endParaRPr lang="pt-BR"/>
           </a:p>
@@ -3494,7 +3494,7 @@
           <a:p>
             <a:fld id="{CB20CE0D-DCBF-4F05-A4FC-29CB0DE0336D}" type="datetimeFigureOut">
               <a:rPr lang="pt-BR" smtClean="0"/>
-              <a:t>21/04/2018</a:t>
+              <a:t>24/04/2018</a:t>
             </a:fld>
             <a:endParaRPr lang="pt-BR"/>
           </a:p>
@@ -4115,7 +4115,15 @@
           <a:p>
             <a:r>
               <a:rPr lang="pt-BR" dirty="0"/>
-              <a:t>A condição de vitória eh destruir todos os invasores antes dele chegarem na terra.</a:t>
+              <a:t>A condição de </a:t>
+            </a:r>
+            <a:r>
+              <a:rPr lang="pt-BR"/>
+              <a:t>vitória é </a:t>
+            </a:r>
+            <a:r>
+              <a:rPr lang="pt-BR" dirty="0"/>
+              <a:t>destruir todos os invasores antes dele chegarem na terra.</a:t>
             </a:r>
           </a:p>
         </p:txBody>
@@ -4370,8 +4378,8 @@
         </p:blipFill>
         <p:spPr>
           <a:xfrm>
-            <a:off x="574273" y="1690688"/>
-            <a:ext cx="5695950" cy="4305300"/>
+            <a:off x="268815" y="1690687"/>
+            <a:ext cx="6611328" cy="4997191"/>
           </a:xfrm>
           <a:prstGeom prst="rect">
             <a:avLst/>
@@ -4400,8 +4408,8 @@
         </p:blipFill>
         <p:spPr>
           <a:xfrm>
-            <a:off x="6534150" y="1690688"/>
-            <a:ext cx="2571750" cy="723900"/>
+            <a:off x="5736707" y="1690686"/>
+            <a:ext cx="5760074" cy="1621354"/>
           </a:xfrm>
           <a:prstGeom prst="rect">
             <a:avLst/>
@@ -4430,8 +4438,8 @@
         </p:blipFill>
         <p:spPr>
           <a:xfrm>
-            <a:off x="6338887" y="2738296"/>
-            <a:ext cx="4581525" cy="752475"/>
+            <a:off x="6880144" y="3970617"/>
+            <a:ext cx="5145280" cy="845067"/>
           </a:xfrm>
           <a:prstGeom prst="rect">
             <a:avLst/>
@@ -4556,7 +4564,7 @@
         <p:spPr>
           <a:xfrm>
             <a:off x="838200" y="1693582"/>
-            <a:ext cx="4676775" cy="4486275"/>
+            <a:ext cx="5257800" cy="5043633"/>
           </a:xfrm>
           <a:prstGeom prst="rect">
             <a:avLst/>
@@ -4585,8 +4593,8 @@
         </p:blipFill>
         <p:spPr>
           <a:xfrm>
-            <a:off x="6338887" y="1855204"/>
-            <a:ext cx="4191000" cy="2619375"/>
+            <a:off x="5815879" y="1436462"/>
+            <a:ext cx="6376121" cy="3985076"/>
           </a:xfrm>
           <a:prstGeom prst="rect">
             <a:avLst/>
@@ -4706,8 +4714,8 @@
         </p:blipFill>
         <p:spPr>
           <a:xfrm>
-            <a:off x="838200" y="1435614"/>
-            <a:ext cx="10420350" cy="4867275"/>
+            <a:off x="838199" y="1435614"/>
+            <a:ext cx="11176285" cy="5220367"/>
           </a:xfrm>
           <a:prstGeom prst="rect">
             <a:avLst/>
@@ -4827,8 +4835,8 @@
         </p:blipFill>
         <p:spPr>
           <a:xfrm>
-            <a:off x="838200" y="1695450"/>
-            <a:ext cx="5504727" cy="5014390"/>
+            <a:off x="657446" y="1415385"/>
+            <a:ext cx="5573997" cy="5077490"/>
           </a:xfrm>
           <a:prstGeom prst="rect">
             <a:avLst/>
